--- a/Presentations/2018-02-15-Tampa/CaseStudyLab-SolutionExample.pptx
+++ b/Presentations/2018-02-15-Tampa/CaseStudyLab-SolutionExample.pptx
@@ -714,7 +714,7 @@
                 <a:tabLst/>
                 <a:defRPr/>
               </a:pPr>
-              <a:t>2/16/2018 4:12 PM</a:t>
+              <a:t>2/16/2018 4:15 PM</a:t>
             </a:fld>
             <a:endParaRPr kumimoji="0" lang="en-US" sz="1200" b="1" i="0" u="none" strike="noStrike" kern="1200" cap="none" spc="0" normalizeH="0" baseline="0" noProof="0" dirty="0">
               <a:ln>
@@ -11743,7 +11743,7 @@
             <a:pPr lvl="1" fontAlgn="auto"/>
             <a:r>
               <a:rPr lang="en-US" dirty="0"/>
-              <a:t>Deploy to Azure;  Insert Network Load Balancer in front of Fabrikam services and Azure Web Apps; NLB manages traffic.  Once everything is working bring down Fabrikam services. </a:t>
+              <a:t>Deploy to Azure;  Insert Traffic manager in front of Fabrikam services and Azure Web Apps; NLB manages traffic.  Once everything is working bring down Fabrikam services. </a:t>
             </a:r>
           </a:p>
           <a:p>
@@ -11760,7 +11760,7 @@
             <a:pPr lvl="1" fontAlgn="auto"/>
             <a:r>
               <a:rPr lang="en-US" dirty="0"/>
-              <a:t>Yes, Same as windows websites (NLB)</a:t>
+              <a:t>Yes, Same as windows websites Traffic Manager</a:t>
             </a:r>
           </a:p>
           <a:p>
@@ -11862,7 +11862,15 @@
             <a:pPr lvl="1"/>
             <a:r>
               <a:rPr lang="en-US" dirty="0"/>
-              <a:t>Yes, Application Gateway /NLB can allow both to run simultaneously then just switch over the load to be only on the new Azure web app</a:t>
+              <a:t>Yes, </a:t>
+            </a:r>
+            <a:r>
+              <a:rPr lang="en-US"/>
+              <a:t>Traffic Manager can </a:t>
+            </a:r>
+            <a:r>
+              <a:rPr lang="en-US" dirty="0"/>
+              <a:t>allow both to run simultaneously then just switch over the load to be only on the new Azure web app</a:t>
             </a:r>
           </a:p>
           <a:p>
